--- a/trunk/ydp/mydoc/YDP-SVN.pptx
+++ b/trunk/ydp/mydoc/YDP-SVN.pptx
@@ -289,7 +289,7 @@
             <a:fld id="{530820CF-B880-4189-942D-D702A7CBA730}" type="datetimeFigureOut">
               <a:rPr lang="zh-CN" altLang="en-US" smtClean="0"/>
               <a:pPr/>
-              <a:t>2009-2-19</a:t>
+              <a:t>2009-2-20</a:t>
             </a:fld>
             <a:endParaRPr lang="zh-CN" altLang="en-US"/>
           </a:p>
@@ -456,7 +456,7 @@
             <a:fld id="{530820CF-B880-4189-942D-D702A7CBA730}" type="datetimeFigureOut">
               <a:rPr lang="zh-CN" altLang="en-US" smtClean="0"/>
               <a:pPr/>
-              <a:t>2009-2-19</a:t>
+              <a:t>2009-2-20</a:t>
             </a:fld>
             <a:endParaRPr lang="zh-CN" altLang="en-US"/>
           </a:p>
@@ -633,7 +633,7 @@
             <a:fld id="{530820CF-B880-4189-942D-D702A7CBA730}" type="datetimeFigureOut">
               <a:rPr lang="zh-CN" altLang="en-US" smtClean="0"/>
               <a:pPr/>
-              <a:t>2009-2-19</a:t>
+              <a:t>2009-2-20</a:t>
             </a:fld>
             <a:endParaRPr lang="zh-CN" altLang="en-US"/>
           </a:p>
@@ -800,7 +800,7 @@
             <a:fld id="{530820CF-B880-4189-942D-D702A7CBA730}" type="datetimeFigureOut">
               <a:rPr lang="zh-CN" altLang="en-US" smtClean="0"/>
               <a:pPr/>
-              <a:t>2009-2-19</a:t>
+              <a:t>2009-2-20</a:t>
             </a:fld>
             <a:endParaRPr lang="zh-CN" altLang="en-US"/>
           </a:p>
@@ -1043,7 +1043,7 @@
             <a:fld id="{530820CF-B880-4189-942D-D702A7CBA730}" type="datetimeFigureOut">
               <a:rPr lang="zh-CN" altLang="en-US" smtClean="0"/>
               <a:pPr/>
-              <a:t>2009-2-19</a:t>
+              <a:t>2009-2-20</a:t>
             </a:fld>
             <a:endParaRPr lang="zh-CN" altLang="en-US"/>
           </a:p>
@@ -1328,7 +1328,7 @@
             <a:fld id="{530820CF-B880-4189-942D-D702A7CBA730}" type="datetimeFigureOut">
               <a:rPr lang="zh-CN" altLang="en-US" smtClean="0"/>
               <a:pPr/>
-              <a:t>2009-2-19</a:t>
+              <a:t>2009-2-20</a:t>
             </a:fld>
             <a:endParaRPr lang="zh-CN" altLang="en-US"/>
           </a:p>
@@ -1747,7 +1747,7 @@
             <a:fld id="{530820CF-B880-4189-942D-D702A7CBA730}" type="datetimeFigureOut">
               <a:rPr lang="zh-CN" altLang="en-US" smtClean="0"/>
               <a:pPr/>
-              <a:t>2009-2-19</a:t>
+              <a:t>2009-2-20</a:t>
             </a:fld>
             <a:endParaRPr lang="zh-CN" altLang="en-US"/>
           </a:p>
@@ -1862,7 +1862,7 @@
             <a:fld id="{530820CF-B880-4189-942D-D702A7CBA730}" type="datetimeFigureOut">
               <a:rPr lang="zh-CN" altLang="en-US" smtClean="0"/>
               <a:pPr/>
-              <a:t>2009-2-19</a:t>
+              <a:t>2009-2-20</a:t>
             </a:fld>
             <a:endParaRPr lang="zh-CN" altLang="en-US"/>
           </a:p>
@@ -1954,7 +1954,7 @@
             <a:fld id="{530820CF-B880-4189-942D-D702A7CBA730}" type="datetimeFigureOut">
               <a:rPr lang="zh-CN" altLang="en-US" smtClean="0"/>
               <a:pPr/>
-              <a:t>2009-2-19</a:t>
+              <a:t>2009-2-20</a:t>
             </a:fld>
             <a:endParaRPr lang="zh-CN" altLang="en-US"/>
           </a:p>
@@ -2228,7 +2228,7 @@
             <a:fld id="{530820CF-B880-4189-942D-D702A7CBA730}" type="datetimeFigureOut">
               <a:rPr lang="zh-CN" altLang="en-US" smtClean="0"/>
               <a:pPr/>
-              <a:t>2009-2-19</a:t>
+              <a:t>2009-2-20</a:t>
             </a:fld>
             <a:endParaRPr lang="zh-CN" altLang="en-US"/>
           </a:p>
@@ -2478,7 +2478,7 @@
             <a:fld id="{530820CF-B880-4189-942D-D702A7CBA730}" type="datetimeFigureOut">
               <a:rPr lang="zh-CN" altLang="en-US" smtClean="0"/>
               <a:pPr/>
-              <a:t>2009-2-19</a:t>
+              <a:t>2009-2-20</a:t>
             </a:fld>
             <a:endParaRPr lang="zh-CN" altLang="en-US"/>
           </a:p>
@@ -2688,7 +2688,7 @@
             <a:fld id="{530820CF-B880-4189-942D-D702A7CBA730}" type="datetimeFigureOut">
               <a:rPr lang="zh-CN" altLang="en-US" smtClean="0"/>
               <a:pPr/>
-              <a:t>2009-2-19</a:t>
+              <a:t>2009-2-20</a:t>
             </a:fld>
             <a:endParaRPr lang="zh-CN" altLang="en-US"/>
           </a:p>
@@ -5700,6 +5700,726 @@
               <a:gd name="adj1" fmla="val 50000"/>
             </a:avLst>
           </a:prstGeom>
+        </p:spPr>
+        <p:style>
+          <a:lnRef idx="1">
+            <a:schemeClr val="accent1"/>
+          </a:lnRef>
+          <a:fillRef idx="0">
+            <a:schemeClr val="accent1"/>
+          </a:fillRef>
+          <a:effectRef idx="0">
+            <a:schemeClr val="accent1"/>
+          </a:effectRef>
+          <a:fontRef idx="minor">
+            <a:schemeClr val="tx1"/>
+          </a:fontRef>
+        </p:style>
+      </p:cxnSp>
+      <p:sp>
+        <p:nvSpPr>
+          <p:cNvPr id="83" name="矩形 82"/>
+          <p:cNvSpPr/>
+          <p:nvPr/>
+        </p:nvSpPr>
+        <p:spPr>
+          <a:xfrm>
+            <a:off x="357158" y="5715016"/>
+            <a:ext cx="392909" cy="214314"/>
+          </a:xfrm>
+          <a:prstGeom prst="rect">
+            <a:avLst/>
+          </a:prstGeom>
+          <a:noFill/>
+          <a:ln>
+            <a:prstDash val="solid"/>
+          </a:ln>
+        </p:spPr>
+        <p:style>
+          <a:lnRef idx="2">
+            <a:schemeClr val="accent1">
+              <a:shade val="50000"/>
+            </a:schemeClr>
+          </a:lnRef>
+          <a:fillRef idx="1">
+            <a:schemeClr val="accent1"/>
+          </a:fillRef>
+          <a:effectRef idx="0">
+            <a:schemeClr val="accent1"/>
+          </a:effectRef>
+          <a:fontRef idx="minor">
+            <a:schemeClr val="lt1"/>
+          </a:fontRef>
+        </p:style>
+        <p:txBody>
+          <a:bodyPr rtlCol="0" anchor="ctr"/>
+          <a:lstStyle/>
+          <a:p>
+            <a:pPr algn="ctr"/>
+            <a:r>
+              <a:rPr lang="en-US" altLang="zh-CN" sz="800" dirty="0" err="1" smtClean="0">
+                <a:solidFill>
+                  <a:schemeClr val="tx1"/>
+                </a:solidFill>
+                <a:latin typeface="Arial Narrow" pitchFamily="34" charset="0"/>
+              </a:rPr>
+              <a:t>nexl</a:t>
+            </a:r>
+            <a:endParaRPr lang="zh-CN" altLang="en-US" sz="800" dirty="0" err="1" smtClean="0">
+              <a:solidFill>
+                <a:schemeClr val="tx1"/>
+              </a:solidFill>
+              <a:latin typeface="Arial Narrow" pitchFamily="34" charset="0"/>
+            </a:endParaRPr>
+          </a:p>
+        </p:txBody>
+      </p:sp>
+      <p:sp>
+        <p:nvSpPr>
+          <p:cNvPr id="85" name="矩形 84"/>
+          <p:cNvSpPr/>
+          <p:nvPr/>
+        </p:nvSpPr>
+        <p:spPr>
+          <a:xfrm>
+            <a:off x="1643042" y="5715016"/>
+            <a:ext cx="562574" cy="214314"/>
+          </a:xfrm>
+          <a:prstGeom prst="rect">
+            <a:avLst/>
+          </a:prstGeom>
+        </p:spPr>
+        <p:style>
+          <a:lnRef idx="2">
+            <a:schemeClr val="accent1">
+              <a:shade val="50000"/>
+            </a:schemeClr>
+          </a:lnRef>
+          <a:fillRef idx="1">
+            <a:schemeClr val="accent1"/>
+          </a:fillRef>
+          <a:effectRef idx="0">
+            <a:schemeClr val="accent1"/>
+          </a:effectRef>
+          <a:fontRef idx="minor">
+            <a:schemeClr val="lt1"/>
+          </a:fontRef>
+        </p:style>
+        <p:txBody>
+          <a:bodyPr rtlCol="0" anchor="ctr"/>
+          <a:lstStyle/>
+          <a:p>
+            <a:pPr algn="ctr"/>
+            <a:r>
+              <a:rPr lang="en-US" altLang="zh-CN" sz="800" dirty="0" smtClean="0">
+                <a:latin typeface="Arial Narrow" pitchFamily="34" charset="0"/>
+              </a:rPr>
+              <a:t>utopia.lib</a:t>
+            </a:r>
+            <a:endParaRPr lang="zh-CN" altLang="en-US" sz="800" dirty="0">
+              <a:latin typeface="Arial Narrow" pitchFamily="34" charset="0"/>
+            </a:endParaRPr>
+          </a:p>
+        </p:txBody>
+      </p:sp>
+      <p:sp>
+        <p:nvSpPr>
+          <p:cNvPr id="86" name="矩形 85"/>
+          <p:cNvSpPr/>
+          <p:nvPr/>
+        </p:nvSpPr>
+        <p:spPr>
+          <a:xfrm>
+            <a:off x="857224" y="5429264"/>
+            <a:ext cx="928694" cy="214314"/>
+          </a:xfrm>
+          <a:prstGeom prst="rect">
+            <a:avLst/>
+          </a:prstGeom>
+        </p:spPr>
+        <p:style>
+          <a:lnRef idx="2">
+            <a:schemeClr val="accent1">
+              <a:shade val="50000"/>
+            </a:schemeClr>
+          </a:lnRef>
+          <a:fillRef idx="1">
+            <a:schemeClr val="accent1"/>
+          </a:fillRef>
+          <a:effectRef idx="0">
+            <a:schemeClr val="accent1"/>
+          </a:effectRef>
+          <a:fontRef idx="minor">
+            <a:schemeClr val="lt1"/>
+          </a:fontRef>
+        </p:style>
+        <p:txBody>
+          <a:bodyPr rtlCol="0" anchor="ctr"/>
+          <a:lstStyle/>
+          <a:p>
+            <a:pPr algn="ctr"/>
+            <a:r>
+              <a:rPr lang="en-US" altLang="zh-CN" sz="800" dirty="0" err="1" smtClean="0">
+                <a:latin typeface="Arial Narrow" pitchFamily="34" charset="0"/>
+              </a:rPr>
+              <a:t>utopia.demo.player</a:t>
+            </a:r>
+            <a:endParaRPr lang="zh-CN" altLang="en-US" sz="800" dirty="0">
+              <a:latin typeface="Arial Narrow" pitchFamily="34" charset="0"/>
+            </a:endParaRPr>
+          </a:p>
+        </p:txBody>
+      </p:sp>
+      <p:sp>
+        <p:nvSpPr>
+          <p:cNvPr id="87" name="矩形 86"/>
+          <p:cNvSpPr/>
+          <p:nvPr/>
+        </p:nvSpPr>
+        <p:spPr>
+          <a:xfrm>
+            <a:off x="857224" y="6000768"/>
+            <a:ext cx="928694" cy="214314"/>
+          </a:xfrm>
+          <a:prstGeom prst="rect">
+            <a:avLst/>
+          </a:prstGeom>
+        </p:spPr>
+        <p:style>
+          <a:lnRef idx="2">
+            <a:schemeClr val="accent1">
+              <a:shade val="50000"/>
+            </a:schemeClr>
+          </a:lnRef>
+          <a:fillRef idx="1">
+            <a:schemeClr val="accent1"/>
+          </a:fillRef>
+          <a:effectRef idx="0">
+            <a:schemeClr val="accent1"/>
+          </a:effectRef>
+          <a:fontRef idx="minor">
+            <a:schemeClr val="lt1"/>
+          </a:fontRef>
+        </p:style>
+        <p:txBody>
+          <a:bodyPr rtlCol="0" anchor="ctr"/>
+          <a:lstStyle/>
+          <a:p>
+            <a:pPr algn="ctr"/>
+            <a:r>
+              <a:rPr lang="en-US" altLang="zh-CN" sz="800" dirty="0" err="1" smtClean="0">
+                <a:latin typeface="Arial Narrow" pitchFamily="34" charset="0"/>
+              </a:rPr>
+              <a:t>utopia.players</a:t>
+            </a:r>
+            <a:endParaRPr lang="zh-CN" altLang="en-US" sz="800" dirty="0">
+              <a:latin typeface="Arial Narrow" pitchFamily="34" charset="0"/>
+            </a:endParaRPr>
+          </a:p>
+        </p:txBody>
+      </p:sp>
+      <p:sp>
+        <p:nvSpPr>
+          <p:cNvPr id="88" name="矩形 87"/>
+          <p:cNvSpPr/>
+          <p:nvPr/>
+        </p:nvSpPr>
+        <p:spPr>
+          <a:xfrm>
+            <a:off x="2071670" y="6143644"/>
+            <a:ext cx="785818" cy="214314"/>
+          </a:xfrm>
+          <a:prstGeom prst="rect">
+            <a:avLst/>
+          </a:prstGeom>
+        </p:spPr>
+        <p:style>
+          <a:lnRef idx="2">
+            <a:schemeClr val="accent1">
+              <a:shade val="50000"/>
+            </a:schemeClr>
+          </a:lnRef>
+          <a:fillRef idx="1">
+            <a:schemeClr val="accent1"/>
+          </a:fillRef>
+          <a:effectRef idx="0">
+            <a:schemeClr val="accent1"/>
+          </a:effectRef>
+          <a:fontRef idx="minor">
+            <a:schemeClr val="lt1"/>
+          </a:fontRef>
+        </p:style>
+        <p:txBody>
+          <a:bodyPr rtlCol="0" anchor="ctr"/>
+          <a:lstStyle/>
+          <a:p>
+            <a:pPr algn="ctr"/>
+            <a:r>
+              <a:rPr lang="en-US" altLang="zh-CN" sz="800" dirty="0" err="1" smtClean="0">
+                <a:latin typeface="Arial Narrow" pitchFamily="34" charset="0"/>
+              </a:rPr>
+              <a:t>utopia.test.temp</a:t>
+            </a:r>
+            <a:endParaRPr lang="zh-CN" altLang="en-US" sz="800" dirty="0">
+              <a:latin typeface="Arial Narrow" pitchFamily="34" charset="0"/>
+            </a:endParaRPr>
+          </a:p>
+        </p:txBody>
+      </p:sp>
+      <p:sp>
+        <p:nvSpPr>
+          <p:cNvPr id="90" name="矩形 89"/>
+          <p:cNvSpPr/>
+          <p:nvPr/>
+        </p:nvSpPr>
+        <p:spPr>
+          <a:xfrm>
+            <a:off x="2071670" y="5286388"/>
+            <a:ext cx="785818" cy="214314"/>
+          </a:xfrm>
+          <a:prstGeom prst="rect">
+            <a:avLst/>
+          </a:prstGeom>
+        </p:spPr>
+        <p:style>
+          <a:lnRef idx="2">
+            <a:schemeClr val="accent1">
+              <a:shade val="50000"/>
+            </a:schemeClr>
+          </a:lnRef>
+          <a:fillRef idx="1">
+            <a:schemeClr val="accent1"/>
+          </a:fillRef>
+          <a:effectRef idx="0">
+            <a:schemeClr val="accent1"/>
+          </a:effectRef>
+          <a:fontRef idx="minor">
+            <a:schemeClr val="lt1"/>
+          </a:fontRef>
+        </p:style>
+        <p:txBody>
+          <a:bodyPr rtlCol="0" anchor="ctr"/>
+          <a:lstStyle/>
+          <a:p>
+            <a:pPr algn="ctr"/>
+            <a:r>
+              <a:rPr lang="en-US" altLang="zh-CN" sz="800" dirty="0" err="1" smtClean="0">
+                <a:latin typeface="Arial Narrow" pitchFamily="34" charset="0"/>
+              </a:rPr>
+              <a:t>utopia.test.unit</a:t>
+            </a:r>
+            <a:endParaRPr lang="zh-CN" altLang="en-US" sz="800" dirty="0">
+              <a:latin typeface="Arial Narrow" pitchFamily="34" charset="0"/>
+            </a:endParaRPr>
+          </a:p>
+        </p:txBody>
+      </p:sp>
+      <p:sp>
+        <p:nvSpPr>
+          <p:cNvPr id="92" name="矩形 91"/>
+          <p:cNvSpPr/>
+          <p:nvPr/>
+        </p:nvSpPr>
+        <p:spPr>
+          <a:xfrm>
+            <a:off x="2571736" y="5607859"/>
+            <a:ext cx="785818" cy="214314"/>
+          </a:xfrm>
+          <a:prstGeom prst="rect">
+            <a:avLst/>
+          </a:prstGeom>
+        </p:spPr>
+        <p:style>
+          <a:lnRef idx="2">
+            <a:schemeClr val="accent1">
+              <a:shade val="50000"/>
+            </a:schemeClr>
+          </a:lnRef>
+          <a:fillRef idx="1">
+            <a:schemeClr val="accent1"/>
+          </a:fillRef>
+          <a:effectRef idx="0">
+            <a:schemeClr val="accent1"/>
+          </a:effectRef>
+          <a:fontRef idx="minor">
+            <a:schemeClr val="lt1"/>
+          </a:fontRef>
+        </p:style>
+        <p:txBody>
+          <a:bodyPr rtlCol="0" anchor="ctr"/>
+          <a:lstStyle/>
+          <a:p>
+            <a:pPr algn="ctr"/>
+            <a:r>
+              <a:rPr lang="en-US" altLang="zh-CN" sz="800" dirty="0" err="1" smtClean="0">
+                <a:latin typeface="Arial Narrow" pitchFamily="34" charset="0"/>
+              </a:rPr>
+              <a:t>flexunit</a:t>
+            </a:r>
+            <a:endParaRPr lang="zh-CN" altLang="en-US" sz="800" dirty="0">
+              <a:latin typeface="Arial Narrow" pitchFamily="34" charset="0"/>
+            </a:endParaRPr>
+          </a:p>
+        </p:txBody>
+      </p:sp>
+      <p:sp>
+        <p:nvSpPr>
+          <p:cNvPr id="93" name="矩形 92"/>
+          <p:cNvSpPr/>
+          <p:nvPr/>
+        </p:nvSpPr>
+        <p:spPr>
+          <a:xfrm>
+            <a:off x="2571736" y="5822173"/>
+            <a:ext cx="785818" cy="214314"/>
+          </a:xfrm>
+          <a:prstGeom prst="rect">
+            <a:avLst/>
+          </a:prstGeom>
+        </p:spPr>
+        <p:style>
+          <a:lnRef idx="2">
+            <a:schemeClr val="accent1">
+              <a:shade val="50000"/>
+            </a:schemeClr>
+          </a:lnRef>
+          <a:fillRef idx="1">
+            <a:schemeClr val="accent1"/>
+          </a:fillRef>
+          <a:effectRef idx="0">
+            <a:schemeClr val="accent1"/>
+          </a:effectRef>
+          <a:fontRef idx="minor">
+            <a:schemeClr val="lt1"/>
+          </a:fontRef>
+        </p:style>
+        <p:txBody>
+          <a:bodyPr rtlCol="0" anchor="ctr"/>
+          <a:lstStyle/>
+          <a:p>
+            <a:pPr algn="ctr"/>
+            <a:r>
+              <a:rPr lang="en-US" altLang="zh-CN" sz="800" dirty="0" err="1" smtClean="0">
+                <a:latin typeface="Arial Narrow" pitchFamily="34" charset="0"/>
+              </a:rPr>
+              <a:t>flexunitOptional</a:t>
+            </a:r>
+            <a:endParaRPr lang="zh-CN" altLang="en-US" sz="800" dirty="0">
+              <a:latin typeface="Arial Narrow" pitchFamily="34" charset="0"/>
+            </a:endParaRPr>
+          </a:p>
+        </p:txBody>
+      </p:sp>
+      <p:cxnSp>
+        <p:nvCxnSpPr>
+          <p:cNvPr id="97" name="曲线连接符 96"/>
+          <p:cNvCxnSpPr>
+            <a:stCxn id="86" idx="2"/>
+            <a:endCxn id="83" idx="3"/>
+          </p:cNvCxnSpPr>
+          <p:nvPr/>
+        </p:nvCxnSpPr>
+        <p:spPr>
+          <a:xfrm rot="5400000">
+            <a:off x="946522" y="5447123"/>
+            <a:ext cx="178595" cy="571504"/>
+          </a:xfrm>
+          <a:prstGeom prst="curvedConnector2">
+            <a:avLst/>
+          </a:prstGeom>
+          <a:ln>
+            <a:tailEnd type="arrow"/>
+          </a:ln>
+        </p:spPr>
+        <p:style>
+          <a:lnRef idx="1">
+            <a:schemeClr val="accent1"/>
+          </a:lnRef>
+          <a:fillRef idx="0">
+            <a:schemeClr val="accent1"/>
+          </a:fillRef>
+          <a:effectRef idx="0">
+            <a:schemeClr val="accent1"/>
+          </a:effectRef>
+          <a:fontRef idx="minor">
+            <a:schemeClr val="tx1"/>
+          </a:fontRef>
+        </p:style>
+      </p:cxnSp>
+      <p:cxnSp>
+        <p:nvCxnSpPr>
+          <p:cNvPr id="101" name="曲线连接符 100"/>
+          <p:cNvCxnSpPr>
+            <a:stCxn id="87" idx="0"/>
+            <a:endCxn id="83" idx="3"/>
+          </p:cNvCxnSpPr>
+          <p:nvPr/>
+        </p:nvCxnSpPr>
+        <p:spPr>
+          <a:xfrm rot="16200000" flipV="1">
+            <a:off x="946522" y="5625719"/>
+            <a:ext cx="178595" cy="571504"/>
+          </a:xfrm>
+          <a:prstGeom prst="curvedConnector2">
+            <a:avLst/>
+          </a:prstGeom>
+          <a:ln>
+            <a:tailEnd type="arrow"/>
+          </a:ln>
+        </p:spPr>
+        <p:style>
+          <a:lnRef idx="1">
+            <a:schemeClr val="accent1"/>
+          </a:lnRef>
+          <a:fillRef idx="0">
+            <a:schemeClr val="accent1"/>
+          </a:fillRef>
+          <a:effectRef idx="0">
+            <a:schemeClr val="accent1"/>
+          </a:effectRef>
+          <a:fontRef idx="minor">
+            <a:schemeClr val="tx1"/>
+          </a:fontRef>
+        </p:style>
+      </p:cxnSp>
+      <p:cxnSp>
+        <p:nvCxnSpPr>
+          <p:cNvPr id="103" name="曲线连接符 102"/>
+          <p:cNvCxnSpPr>
+            <a:stCxn id="90" idx="0"/>
+            <a:endCxn id="83" idx="0"/>
+          </p:cNvCxnSpPr>
+          <p:nvPr/>
+        </p:nvCxnSpPr>
+        <p:spPr>
+          <a:xfrm rot="16200000" flipH="1" flipV="1">
+            <a:off x="1294782" y="4545219"/>
+            <a:ext cx="428628" cy="1910966"/>
+          </a:xfrm>
+          <a:prstGeom prst="curvedConnector3">
+            <a:avLst>
+              <a:gd name="adj1" fmla="val -53333"/>
+            </a:avLst>
+          </a:prstGeom>
+          <a:ln>
+            <a:tailEnd type="arrow"/>
+          </a:ln>
+        </p:spPr>
+        <p:style>
+          <a:lnRef idx="1">
+            <a:schemeClr val="accent1"/>
+          </a:lnRef>
+          <a:fillRef idx="0">
+            <a:schemeClr val="accent1"/>
+          </a:fillRef>
+          <a:effectRef idx="0">
+            <a:schemeClr val="accent1"/>
+          </a:effectRef>
+          <a:fontRef idx="minor">
+            <a:schemeClr val="tx1"/>
+          </a:fontRef>
+        </p:style>
+      </p:cxnSp>
+      <p:cxnSp>
+        <p:nvCxnSpPr>
+          <p:cNvPr id="105" name="曲线连接符 104"/>
+          <p:cNvCxnSpPr>
+            <a:stCxn id="90" idx="1"/>
+            <a:endCxn id="85" idx="0"/>
+          </p:cNvCxnSpPr>
+          <p:nvPr/>
+        </p:nvCxnSpPr>
+        <p:spPr>
+          <a:xfrm rot="10800000" flipV="1">
+            <a:off x="1924330" y="5393544"/>
+            <a:ext cx="147341" cy="321471"/>
+          </a:xfrm>
+          <a:prstGeom prst="curvedConnector2">
+            <a:avLst/>
+          </a:prstGeom>
+          <a:ln>
+            <a:tailEnd type="arrow"/>
+          </a:ln>
+        </p:spPr>
+        <p:style>
+          <a:lnRef idx="1">
+            <a:schemeClr val="accent1"/>
+          </a:lnRef>
+          <a:fillRef idx="0">
+            <a:schemeClr val="accent1"/>
+          </a:fillRef>
+          <a:effectRef idx="0">
+            <a:schemeClr val="accent1"/>
+          </a:effectRef>
+          <a:fontRef idx="minor">
+            <a:schemeClr val="tx1"/>
+          </a:fontRef>
+        </p:style>
+      </p:cxnSp>
+      <p:cxnSp>
+        <p:nvCxnSpPr>
+          <p:cNvPr id="108" name="曲线连接符 107"/>
+          <p:cNvCxnSpPr>
+            <a:stCxn id="86" idx="3"/>
+            <a:endCxn id="85" idx="0"/>
+          </p:cNvCxnSpPr>
+          <p:nvPr/>
+        </p:nvCxnSpPr>
+        <p:spPr>
+          <a:xfrm>
+            <a:off x="1785918" y="5536421"/>
+            <a:ext cx="138411" cy="178595"/>
+          </a:xfrm>
+          <a:prstGeom prst="curvedConnector2">
+            <a:avLst/>
+          </a:prstGeom>
+          <a:ln>
+            <a:tailEnd type="arrow"/>
+          </a:ln>
+        </p:spPr>
+        <p:style>
+          <a:lnRef idx="1">
+            <a:schemeClr val="accent1"/>
+          </a:lnRef>
+          <a:fillRef idx="0">
+            <a:schemeClr val="accent1"/>
+          </a:fillRef>
+          <a:effectRef idx="0">
+            <a:schemeClr val="accent1"/>
+          </a:effectRef>
+          <a:fontRef idx="minor">
+            <a:schemeClr val="tx1"/>
+          </a:fontRef>
+        </p:style>
+      </p:cxnSp>
+      <p:cxnSp>
+        <p:nvCxnSpPr>
+          <p:cNvPr id="110" name="形状 109"/>
+          <p:cNvCxnSpPr>
+            <a:stCxn id="87" idx="3"/>
+            <a:endCxn id="85" idx="2"/>
+          </p:cNvCxnSpPr>
+          <p:nvPr/>
+        </p:nvCxnSpPr>
+        <p:spPr>
+          <a:xfrm flipV="1">
+            <a:off x="1785918" y="5929330"/>
+            <a:ext cx="138411" cy="178595"/>
+          </a:xfrm>
+          <a:prstGeom prst="curvedConnector2">
+            <a:avLst/>
+          </a:prstGeom>
+          <a:ln>
+            <a:tailEnd type="arrow"/>
+          </a:ln>
+        </p:spPr>
+        <p:style>
+          <a:lnRef idx="1">
+            <a:schemeClr val="accent1"/>
+          </a:lnRef>
+          <a:fillRef idx="0">
+            <a:schemeClr val="accent1"/>
+          </a:fillRef>
+          <a:effectRef idx="0">
+            <a:schemeClr val="accent1"/>
+          </a:effectRef>
+          <a:fontRef idx="minor">
+            <a:schemeClr val="tx1"/>
+          </a:fontRef>
+        </p:style>
+      </p:cxnSp>
+      <p:cxnSp>
+        <p:nvCxnSpPr>
+          <p:cNvPr id="120" name="形状 119"/>
+          <p:cNvCxnSpPr>
+            <a:stCxn id="90" idx="3"/>
+            <a:endCxn id="92" idx="0"/>
+          </p:cNvCxnSpPr>
+          <p:nvPr/>
+        </p:nvCxnSpPr>
+        <p:spPr>
+          <a:xfrm>
+            <a:off x="2857488" y="5393545"/>
+            <a:ext cx="107157" cy="214314"/>
+          </a:xfrm>
+          <a:prstGeom prst="curvedConnector2">
+            <a:avLst/>
+          </a:prstGeom>
+          <a:ln>
+            <a:tailEnd type="arrow"/>
+          </a:ln>
+        </p:spPr>
+        <p:style>
+          <a:lnRef idx="1">
+            <a:schemeClr val="accent1"/>
+          </a:lnRef>
+          <a:fillRef idx="0">
+            <a:schemeClr val="accent1"/>
+          </a:fillRef>
+          <a:effectRef idx="0">
+            <a:schemeClr val="accent1"/>
+          </a:effectRef>
+          <a:fontRef idx="minor">
+            <a:schemeClr val="tx1"/>
+          </a:fontRef>
+        </p:style>
+      </p:cxnSp>
+      <p:cxnSp>
+        <p:nvCxnSpPr>
+          <p:cNvPr id="124" name="形状 123"/>
+          <p:cNvCxnSpPr>
+            <a:stCxn id="88" idx="3"/>
+            <a:endCxn id="93" idx="2"/>
+          </p:cNvCxnSpPr>
+          <p:nvPr/>
+        </p:nvCxnSpPr>
+        <p:spPr>
+          <a:xfrm flipV="1">
+            <a:off x="2857488" y="6036487"/>
+            <a:ext cx="107157" cy="214314"/>
+          </a:xfrm>
+          <a:prstGeom prst="curvedConnector2">
+            <a:avLst/>
+          </a:prstGeom>
+          <a:ln>
+            <a:tailEnd type="arrow"/>
+          </a:ln>
+        </p:spPr>
+        <p:style>
+          <a:lnRef idx="1">
+            <a:schemeClr val="accent1"/>
+          </a:lnRef>
+          <a:fillRef idx="0">
+            <a:schemeClr val="accent1"/>
+          </a:fillRef>
+          <a:effectRef idx="0">
+            <a:schemeClr val="accent1"/>
+          </a:effectRef>
+          <a:fontRef idx="minor">
+            <a:schemeClr val="tx1"/>
+          </a:fontRef>
+        </p:style>
+      </p:cxnSp>
+      <p:cxnSp>
+        <p:nvCxnSpPr>
+          <p:cNvPr id="126" name="形状 125"/>
+          <p:cNvCxnSpPr>
+            <a:stCxn id="88" idx="1"/>
+            <a:endCxn id="85" idx="2"/>
+          </p:cNvCxnSpPr>
+          <p:nvPr/>
+        </p:nvCxnSpPr>
+        <p:spPr>
+          <a:xfrm rot="10800000">
+            <a:off x="1924330" y="5929331"/>
+            <a:ext cx="147341" cy="321471"/>
+          </a:xfrm>
+          <a:prstGeom prst="curvedConnector2">
+            <a:avLst/>
+          </a:prstGeom>
+          <a:ln>
+            <a:tailEnd type="arrow"/>
+          </a:ln>
         </p:spPr>
         <p:style>
           <a:lnRef idx="1">
